--- a/Neural Networks for Differential Equations/NN for PDE.pptx
+++ b/Neural Networks for Differential Equations/NN for PDE.pptx
@@ -232,7 +232,7 @@
   <inkml:trace contextRef="#ctx0" brushRef="#br0" timeOffset="8807.33">21502 4498 0,'17'0'63,"19"-18"-48,-1 18-15,0-17 0,18 17 16,18 0-16,17-18 16,35 0-16,54 18 15,-36 0-15,0 0 16,88 0-16,-35 0 16,-141 0-1,176 0-15,18 0 16,-141 0-16,-18 0 15,-52 0-15,87 0 16,-70 0-16,0 0 16,0 0-16,0 0 15,-36 0-15,19 0 16,-1 0-16,0 0 16,18 0-16,0 0 15,-18 18-15,18-18 16,-35 0-16,0 0 15,-1 0-15,-17 18 47,18-18-47,-18 17 16,17 54 0,1-54-1,-18 19-15,18-19 0,-18 19 16,17 17-16,-17 17 15,0 36-15,0 35 16,18-88-16,0 159 16,-1-89-16,19 1 15,-19-1-15,1-88 16,-18 1-16,17-1 16,-17-17-1,0-1-15,0 1 16,0-1-1,0 19-15,0-19 16,0 1-16,0 0 16,0-1 15,0 19-15,-17-1-1,17-17 1,0-1-16,-18 18 0,18-17 31,-17-18 0,-1 0-31,0 18 32,-17 17-17,0-17 1,35-1-1,-18-17-15,-35 36 16,18-19-16,0-17 16,-36 35-16,36-17 15,-71 0-15,18-1 16,-265 1 0,230-18-16,-142 0 15,53 0-15,-17 0 16,70 0-16,71 0 15,-18 0-15,-17-18 16,52 18-16,36 0 16,-36-17-16,1 17 15,17 0-15,35-18 16,-88 18 0,71 0-16,-18 0 15,36 0-15,-1 0 16</inkml:trace>
   <inkml:trace contextRef="#ctx0" brushRef="#br0" timeOffset="11812.49">13370 8643 0,'0'0'0,"18"0"0,-1-18 16,19 1 0,-1 17-16,18-18 15,17 1-15,36-1 16,18 0-16,34 18 16,1 0-16,70 0 0,107 0 15,193 0-15,0 0 16,-53 0-16,106 0 15,-53 0-15,-52 0 16,-89 0-16,-159 0 16,89 0-16,-142 0 15,36 0-15,-142 0 16,-17 0-16,-18 0 16,-17 0-16,0 0 15</inkml:trace>
   <inkml:trace contextRef="#ctx0" brushRef="#br0" timeOffset="12419.93">15363 9560 0,'36'0'47,"34"0"-31,142 0-1,17 18-15,477 17 16,-160-17-16,1 70 16,141-17-16,0-18 15,-141 17-15,-53-52 16,-141 35-16,-195-53 16,-34 0-16,-89 0 15</inkml:trace>
-  <inkml:trace contextRef="#ctx0" brushRef="#br0" timeOffset="13172.35">7443 9648 0,'53'0'31,"18"-17"-31,17-1 16,36 1-16,52-1 16,-17 0-16,229 18 15,-88 0-15,141 18 16,141-18-16,-53 18 16,-35 17-16,35-18 15,71 54-15,-371-53 16,35-1-16,-158 1 15,35 0-15,-105-18 16,-1 0-16,-17 0 16,17 17-16,-17-17 15</inkml:trace>
+  <inkml:trace contextRef="#ctx0" brushRef="#br0" timeOffset="13172.34">7443 9648 0,'53'0'31,"18"-17"-31,17-1 16,36 1-16,52-1 16,-17 0-16,229 18 15,-88 0-15,141 18 16,141-18-16,-53 18 16,-35 17-16,35-18 15,71 54-15,-371-53 16,35-1-16,-158 1 15,35 0-15,-105-18 16,-1 0-16,-17 0 16,17 17-16,-17-17 15</inkml:trace>
   <inkml:trace contextRef="#ctx0" brushRef="#br0" timeOffset="32387.53">8590 12506 0,'0'-18'31,"0"1"-16,18-1 1,34 0 0,37 1-1,-36-18-15,35 17 16,0 0-16,-35 18 16,53-17-16,-36-1 15,18 0-15,-52 18 16,17-17-16,-18 17 15,-17 0-15,-1 0 16,19 0-16,-19 0 16,1 0-1,-1 0 1,-34 0 46,-1 17-46,-17 1 0,0 0-16,-1 17 15,-17-35-15,-17 35 16,-1-17 0,-35-1-16</inkml:trace>
   <inkml:trace contextRef="#ctx0" brushRef="#br0" timeOffset="33000.67">8396 12435 0,'0'-17'47,"18"17"-31,17 0-1,0-18-15,0 18 16,54-17-16,52-1 16,-35 18-16,17 0 15,-17 0-15,0 0 16,-53 0-16,70 0 0,-17 0 15,-18 0-15,-17 0 16,-18 0 0,-18 0-16,0 0 15,-17 0-15,-1 0 16,1 0-16,0 0 47</inkml:trace>
   <inkml:trace contextRef="#ctx0" brushRef="#br0" timeOffset="50998.55">6226 18750 0,'0'18'31,"36"-18"78,-19 0-93,18 0-16,1 0 15,17 0-15,-18 0 16,0 0-16,18 0 16,0 0-16,-18 0 15,18 0-15,0 0 16,-18 0-16,36 0 16,0 0-16,-19 0 15,19 0-15,0 0 16,-18 0-16,-1 0 15,1 0 1,0 0-16,-17 0 0,16 0 16,1 0-16,-17 0 15,-1 0 1,0 0-16,0 0 16,-17 0-16,0 0 15,17 0-15,-17 0 16,-1 0-16,19 0 15,-1 0-15,0 0 16,0 0-16,1 0 16,-1 0-16,-17 0 15,17 0-15,-17 0 16,17 0-16,-18 0 16,19 0-16,17 0 15,-18 0-15,0 0 16,-17 0-16,17 0 15,0 0-15,1 0 16,-1 0-16,-17 0 16,-1 0-16,1 0 15,0 0-15,-1 0 16,36 0-16,-18 0 16,-17 0-1,35 0-15,-35 0 0,-1 0 16,18 0-16,1 0 15,-1 0 1,0 0-16,-17 0 0,17 0 16,1 0-16,-1 0 15,0 0 1,0 0-16,18 0 0,35 0 16,-52 0-1,-1 0-15,18 0 16,-18 0-16,18 0 15,-18 0-15,1 0 16,-1 0 0,18 0-16,-18 0 0,18 0 15,0 0-15,70 0 16,-52 0-16,-18 17 16,0-17-16,17 0 15,1 0-15,-18 0 16,0 0-16,-18 0 15,18 0-15,0 0 16,0 0-16,0 0 16,-18 0-16,18 0 15,-35 0-15,52 0 16,-52 0-16,35 0 16,-18 0-16,18 0 15,0-17-15,0 17 16,-36 0-16,36 0 15,-17 0-15,-1 0 16,18 0-16,-36 0 16,19 0-16,-1 0 15,0 0-15,0 0 16,1 0-16,-1 0 16,0 0-16,1 0 15,-1 0-15,0 0 0,-17 0 16,17 0-16,0 0 15,-17 0 1,17 0-16,1 0 0,-1 0 16,-18 0-1,19 0-15,-1 0 0,0 17 16,18-17-16,-18 0 16,18 0-16,-17 0 15,-19 0-15,1 0 16,17 0-16,-17 0 15,17 0 1,-17 0-16,35 0 0,-18 0 16,0 0-16,1 0 15,16 0 1,1 0-16,0 0 0,0 0 16,0 0-1,0 0-15,-18 0 16,-17 0-16,35 0 15,0 0-15,0 0 16,-18 0-16,18 0 16,17 0-16,-34 0 15,17 0-15,17 0 16,-52 0-16,35 0 16,0 0-16,-18 0 15,18 0-15,-18 0 16,18 0-16,-18 0 15,18 0-15,-17 0 16,16 0-16,-16 0 16,17 0-16,-18 0 15,35 0-15,-17 0 16,18 0-16,-18 0 16,0 0-16,0 18 15,0-18-15,17 0 16,-17 0-16,0 0 0,0 0 15,-18 18-15,36-1 16,-1-17 0,36 0-16,-71 0 0,36 0 15,17 0-15,0 0 16,-17 0 0,-36 0-16,18 0 15,0 0-15,-18 0 16,36 0-16,-18 0 0,-18 0 15,18 0 1,0 0-16,17 0 16,-34 0-16,17 0 0,-36 0 15,36 0-15,-18 0 16,1 0-16,-1 0 16,0 0-16,1 0 15,17 0 1,-1 0-16,19 18 0,-18-18 15,-18 0-15,89 18 16,-89-18 0,18 0-16,-18 0 15,0 0-15,1 17 16,17-17-16,0 0 16,-18 0-1,18 0-15,0 0 0,-18 0 16,35 0-1,1 0-15,17 0 0,0 0 16,-35 0-16,36 0 16,-19 0-16,71 0 15,-35 0-15,-35 0 16,52 0-16,18 0 16,0 0-16,-88 0 15,141 0-15,-123 0 16,140-17-16,-105 17 15,106-18-15,-124 0 16,89 18-16,-72 0 0,54-17 16,0 17-1,-106 0-15,123 0 16,-35 0-16,36 0 16,-36 0-16,35 0 15,-17-18-15,0 18 16,-18 0-16,53 0 15,-53 0-15,0 0 16,18-35-16,0 35 16,-36-18-16,0 18 15,-17 0-15,-18 0 0,-35 0 16,53-17-16,0 17 16,18-18-16,17 0 15,-36 18-15,54-17 16,-18-1-16,-52 0 15,34 18-15,-17-17 16,-36-1-16,-17 18 16,-17 0-16,-1-18 15,-17 18-15,-1 0 16,18-17-16,1 17 16,17 0-16,0 0 15,-1 0-15,1 0 16,18 0-16,-18 0 15,35 0-15,-53 0 16,18 0-16,18 0 16,-1 0-16,-17 0 15,18 0-15,-1 0 16,1 0-16,-1 0 16,36 0-16,-70 0 15,52 0-15,35 0 16,-35 0-1,-35 0-15,0 0 16,0 0-16,-18 0 0,18 0 16,-17 0-1,17 0-15,-18 0 16,0 0-16,0 0 16,18 0-16,-17 0 15,17 0-15,-18 0 16,18 0-16,0 0 15,17 0-15,-17 0 16,0 17-16,35-17 0,-17 0 16,70 0-1,-35 0-15,-18 0 16,-53 0-16,36 0 16,-18 0-16,17 0 15,36 0-15,-18 0 16,36 0-1,17 0-15,-88 0 0,53 0 16,52 0-16,-34 0 16,-54 0-16,36 0 15,35 0-15,-52 0 16,-37 0-16,19 0 16,0 0-16,-1 0 15,36 0 1,-53 0-16,17 0 0,1 0 15,52 0 1,-87 0-16,34 0 16,1 0-16,-18 0 15,0 0-15,0 0 16,-1 0-16,1 0 16,-17 0-16,17 0 15,0 0-15,-1 0 16,1 0-16,-17 0 15,17 0-15,-18 0 16,18 0-16,0 0 0,-18 0 16,35 0-1,-17 0-15,0 0 16,0 0-16,-17 18 16,-1-18-16,0 0 0,-17 0 15,-1 0 1,36 0-16,-17 0 15,-1 0-15,-18 0 16,54 0-16,-36 18 0,18-18 16,-18 0-1,1 0-15,17 0 16,-18 0-16,-17 0 0,17 0 16,-17 0-16,17 0 15,18 0 1,-18 0-16,18 0 0,35 0 15,-35 0-15,-18 0 16,18 0-16,-35 0 16,17 0-16,0 0 15,1 0-15,-19 0 16,1 0-16,35 0 16,-18-18-16,0 18 15,-17 0-15,17 0 16,1 0-16,17 0 15,-36 0-15,18 0 16,18-18-16,-17 18 16,-1-17-16,18 17 15,-18 0-15,0 0 16,1 0-16,17 0 16,-18 0-16,0 0 15,18 0-15,-18 0 16,-17 0-16,17-18 15,-17 18 1,0-18-16,17 18 16,-18 0-1,36 0 1,-17 0 0,-19 0-16,-17-17 15,18 17 1,0-18-16,-1 18 15,1 0 1,-1 0 15,19 0-15,-19 0 0</inkml:trace>
@@ -470,7 +470,7 @@
   <inkml:trace contextRef="#ctx0" brushRef="#br0" timeOffset="72127.7">17074 7444 0,'18'0'31,"0"0"1,-1 0-32,1 0 15,17-18-15,-17 18 31,-1 0 16</inkml:trace>
   <inkml:trace contextRef="#ctx0" brushRef="#br0" timeOffset="72983.2">17392 7232 0,'0'0'0,"17"0"15,1 0-15,0 0 16,17 0-16,-17 0 16,-1 0-1,1 0-15,-1 0 16,1 0-16,-18 35 31,0-17-15,0 17-1,0-17-15,0-1 16,0 19-16,-18-19 16,1 1-1,-1 0-15,1-18 16,-1 17-16,18 1 15,-35-18-15,35 18 16,17-18 93,19 0-93,16 0-16,-16 0 16,-19 0-1,19 0-15,17 0 16,-18-18-16,0 18 16,0-18-16,-17 1 93</inkml:trace>
   <inkml:trace contextRef="#ctx0" brushRef="#br0" timeOffset="73584.95">19367 7320 0,'18'0'31,"-18"-17"0,18 17-31,17 0 16,-18-18 0,1 18-16,0 0 15,-18-18-15</inkml:trace>
-  <inkml:trace contextRef="#ctx0" brushRef="#br0" timeOffset="74092.4">19526 7126 0,'-18'0'15,"18"18"17,0-1-32,-35 1 15,35 35-15,-18-18 16,-17 1-16,35 16 15,-17-34-15,17 35 16,0-18-16,0 1 16,0-1-16,0-18 15,17 1 1,1-18 0,-1 0 30,1 0-30,0 0-16,-1 0 16,1 0-1</inkml:trace>
+  <inkml:trace contextRef="#ctx0" brushRef="#br0" timeOffset="74092.39">19526 7126 0,'-18'0'15,"18"18"17,0-1-32,-35 1 15,35 35-15,-18-18 16,-17 1-16,35 16 15,-17-34-15,17 35 16,0-18-16,0 1 16,0-1-16,0-18 15,17 1 1,1-18 0,-1 0 30,1 0-30,0 0-16,-1 0 16,1 0-1</inkml:trace>
   <inkml:trace contextRef="#ctx0" brushRef="#br0" timeOffset="74493.77">19702 7461 0,'18'0'32,"0"0"15,-1 0-32,1-17 1,0 17-16,-1-18 15,1 0-15,0 18 16,-1 0 0</inkml:trace>
   <inkml:trace contextRef="#ctx0" brushRef="#br0" timeOffset="74928.02">20161 7197 0,'0'17'62,"0"19"-46,0-1-16,0-17 15,0 17-15,0-18 16,0 19-16,0-1 16,0 18-16,0-35 15,0-1 1</inkml:trace>
   <inkml:trace contextRef="#ctx0" brushRef="#br0" timeOffset="76596.5">21907 7320 0,'36'0'78,"16"0"-78,-16 0 16,-19 0-16,19 0 16,-19 0-16,1-17 15,17 17-15,-35-18 16,18 18-1,0 0-15,-1 0 16,1 0-16,35 0 0,-36 0 31,-17-18-31</inkml:trace>
@@ -532,7 +532,7 @@
   <inkml:trace contextRef="#ctx0" brushRef="#br0" timeOffset="2054.09">11994 8255 0,'18'35'15,"0"-17"-15,-18 17 16,0 0-16,17-35 15,-17 18-15,35 0 16,-17-18 0,0 0-1,-1 0-15,19 0 16,-1-53-16,-17 53 16,17-35-16,-18-36 15</inkml:trace>
   <inkml:trace contextRef="#ctx0" brushRef="#br0" timeOffset="2772.23">12118 6967 0,'35'0'31,"0"0"-31,18 0 15,-18 18-15,18 17 16,36-17 0,-37 35-16,19 0 15,-36-18-15,36 36 0,-53-36 16,17 18-16,-18 17 16,-17-17-16,18 88 15,-18-70 1,0 52-16,-70 71 15,17-35 1,35-106-16,-53 106 16,36-71-16,17-35 15,1-18-15,-1 18 16,1-18-16,-1 1 16,0-19-16,18 1 15,-17 0-15,17-1 16,-18-17-16,18 18 15,-18 0-15</inkml:trace>
   <inkml:trace contextRef="#ctx0" brushRef="#br0" timeOffset="3238.34">12206 8678 0,'0'36'15,"0"-19"1,0 19-16,0-19 16,0 1-1,18-18-15,-1 0 16,1 0-16,-1 0 16,19 0-16,-36-18 15,17 18-15,1 0 16,17-35-1,-17 35-15,0 0 0,-1 0 16,-17-18 0,-17 18 46,-1 0-62,-35 0 16,0-17-16,18 17 15,17 0 1,1 0-16</inkml:trace>
-  <inkml:trace contextRef="#ctx0" brushRef="#br0" timeOffset="14877.35">5397 11289 0,'18'0'204,"0"0"46,-1 0-250,1 0 31,-1 0-16,1 0-15,0 0 16,17 0-16,0 0 16,18 0-16,-18 0 15,18-18 1,18 18-16,0 0 16,70-17-16,0 17 0,-18 0 15,71 0-15,-35 0 16,53 0-16,-1 0 15,89 17-15,-88-17 16,70 36-16,-70-36 16,-89 0-16,89 0 15,35 0-15,-53 0 16,-71 17-16,36-17 16,-18 0-16,-70 0 15,52 0-15,-105 0 16,35 0-16,-18 0 0,0 0 15,-17 0 1,0 0 15,-1 0 63,1 18-78,-18-1-16,35-17 15,-35 18-15,18-18 16,-1 0 78</inkml:trace>
+  <inkml:trace contextRef="#ctx0" brushRef="#br0" timeOffset="14877.34">5397 11289 0,'18'0'204,"0"0"46,-1 0-250,1 0 31,-1 0-16,1 0-15,0 0 16,17 0-16,0 0 16,18 0-16,-18 0 15,18-18 1,18 18-16,0 0 16,70-17-16,0 17 0,-18 0 15,71 0-15,-35 0 16,53 0-16,-1 0 15,89 17-15,-88-17 16,70 36-16,-70-36 16,-89 0-16,89 0 15,35 0-15,-53 0 16,-71 17-16,36-17 16,-18 0-16,-70 0 15,52 0-15,-105 0 16,35 0-16,-18 0 0,0 0 15,-17 0 1,0 0 15,-1 0 63,1 18-78,-18-1-16,35-17 15,-35 18-15,18-18 16,-1 0 78</inkml:trace>
   <inkml:trace contextRef="#ctx0" brushRef="#br0" timeOffset="17363.47">5362 12136 0,'18'0'156,"-1"0"-156,19 0 16,-1 0-16,18-18 16,-18 0-16,-17 18 0,17 0 15,0 0-15,53 0 16,-52 0 0,34-17-16,18 17 15,-35 0-15,0 0 0,0 0 16,0 0-1,0-18-15,-18 18 16,-17 0-16,35 0 16,-18 0-16,0 0 15,1 0-15,17 0 16,35 0-16,-35 0 0,17 0 16,1 0-16,-18 0 15,0 0-15,17 0 16,1 0-16,-18 0 15,35 18-15,-35-18 16,17 0 0,-17 0-16,-17 0 0,16 0 15,1 0-15,36 0 16,-37 0-16,19 0 16,-18 0-16,18 0 15,52 0-15,-52 0 16,17 0-16,35 0 15,-35 0-15,36 0 16,-36 0-16,36 0 16,-54 0-16,1 0 15,-18 0-15,0 0 16,-18 0-16,-18 0 16,19 0-16,-19 0 15,19 0-15,17 0 16,-1 0-16,1 0 15,18 0-15,-18 0 16,0 0-16,0 0 16,0 0-16,0 0 15,-36 0-15,18 0 16,-17 0 0,0 0-1</inkml:trace>
   <inkml:trace contextRef="#ctx0" brushRef="#br0" timeOffset="18503.93">5627 12841 0,'35'0'78,"71"0"-78,0 0 16,17 0-16,53 0 16,142 0-16,-54 0 15,89 0-15,-123 0 16,316-18-16,-210 18 16,193 0-16,-282 0 15,105 0-15,-105 0 16,-70 0-16,-71 0 15,-18 18-15,-35-18 16,0 0-16,-53 18 16,17-18-16,19 0 15,-36 35 1,17-35-16,1 0 16,-1 0-1,1 0 16,0 0-15,-1 0 0,19 0-16,-1 0 15,0 0-15,-17 0 0,-1 0 16,1 0-16</inkml:trace>
   <inkml:trace contextRef="#ctx0" brushRef="#br0" timeOffset="33250.78">4145 15169 0,'18'0'109,"-1"-17"-109,18 17 16,1 0-16,-1 0 16,18-18-1,35 18-15,-35-17 0,88-1 16,-70 18-16,52-35 15,142 17 1,-124-17-16,88-1 16,-35 19-16,141-36 0,-176 35 15,212 18-15,-125-17 16,107 17 0,-106 0-16,-35-18 0,35 18 15,35 0 1,-70 0-16,-142 0 15,1 0-15,-18 0 0,0 0 16,0 0-16,-1 0 16,-16 0-16,17 0 15,-36 18-15,19-18 16,17 17-16,-36-17 16,1 0 15,-1 36-16,54-1-15,35 35 16,-36-17-16,248 88 16,-142-70-16,177 17 15,-141-17-15,-54-36 16,-69-17 0,-1-1-16,18-17 15,-89 0 1,-17 18 46,0 17-46,18 0 0,-18 1-1,0-1-15,0 0 16,0 1-16,0-1 0,0 18 15,0 17-15,0-17 16,0 53 0,0-18-16,-18 36 15,1 34-15,-1 36 0,18-52 16,-18-1-16,18 17 16,0 19-1,0-71-15,0 0 16,-17 35-16,17-18 15,-18 18-15,18-70 16,-18 17-16,18-35 16,-17 17-16,-1-17 0,18-35 15,0 17-15,-17 1 16,-1-1-16,0-18 16,1 1-16,17 17 15,-36-17-15,-17 35 16,53-35-1,-52 34-15,16-34 16,1 17-16,-18-17 16,-17 0-16,34-1 15,-34-17-15,-54 18 16,18-18-16,36 0 16,-159 0-16,52-35 15,18 17-15,-17-17 16,-124-1-16,88 1 15,18 18-15,71-1 16,-142 0-16,107 1 16,16-1-16,72 18 15,-71-18-15,-18 1 16,53-1-16,-53 0 16,89 1-16,-71-1 15,0 1-15,-18-19 16,0 19-16,36-1 15,-1 18-15,36-18 0,18 18 16,-19-17 0,1 17-16,35-18 15,18 18-15,-18-18 16,-106 1 0,106 17-16,-52 0 15,52-18-15,-89 1 16,54-1-16,35 18 15,-35 0-15,-18-18 16,53 18-16,1 0 16,-1 0-16,17 0 15,19-17-15,-19 17 16,19 0-16,-1 0 16,0 0-1,1-18 1,-1 18-1,18-18 1,-17 18 0,-1 0-16,0 0 15,1-17 1,-1-1 0,-17 0-16,35-17 15,-36-35-15,36 52 16,-35-53-16,0-17 15,-36-53-15,18 18 16,36 34-16,-36 19 16,18-36-16,17 18 15,0 0-15,-17-1 16,35 1-16,-18-106 16,1 71-1,-1-1-15,0 18 16,1-35-16,17 88 15,0-17-15,0-18 16,-18-18-16,18 18 16,-17-1-16,17 37 15,-18-1-15,18-18 16,-18 36-16,1-36 16,17 36-16,0-18 15,0 18-15,0 17 16,0 0-16,0 1 15,0-1 17,0 1-17,17-1-15,1-17 16,0 17 0,-1-17-16,-17 17 15,18 18 1,-1 0-16,-17-18 15,18 1-15,0-1 16,17 1-16,-17 17 16,-1-18-16,1 0 15,0 18 17,-1-17-32,1 17 15,0 0-15,-1 0 16,1 0-16,-1 0 15,1 0-15,0 0 16,-1 0 0,19 0-1,-1 0 1,-17-18-16,-1 18 16,18 0-16,-17 0 15,0 0-15,-1-18 16,1 18-1,0 0 32,-1 0-31,1 0 15,0 0-15,-1 0 31,1 0-32,-1 0 32,19 0-16,-19 0-15,19 0-16,-19 18 16,1-18-1</inkml:trace>
@@ -825,7 +825,7 @@
           <a:p>
             <a:fld id="{16D87061-B70B-4885-8035-DB3310C94759}" type="datetimeFigureOut">
               <a:rPr lang="en-US" smtClean="0"/>
-              <a:t>10/20/2020</a:t>
+              <a:t>10/21/2020</a:t>
             </a:fld>
             <a:endParaRPr lang="en-US"/>
           </a:p>
@@ -1721,7 +1721,7 @@
           <a:p>
             <a:fld id="{421A1D43-B8D3-4018-8763-90AC85FD69DB}" type="datetimeFigureOut">
               <a:rPr lang="en-US" smtClean="0"/>
-              <a:t>10/20/2020</a:t>
+              <a:t>10/21/2020</a:t>
             </a:fld>
             <a:endParaRPr lang="en-US"/>
           </a:p>
@@ -1978,7 +1978,7 @@
           <a:p>
             <a:fld id="{421A1D43-B8D3-4018-8763-90AC85FD69DB}" type="datetimeFigureOut">
               <a:rPr lang="en-US" smtClean="0"/>
-              <a:t>10/20/2020</a:t>
+              <a:t>10/21/2020</a:t>
             </a:fld>
             <a:endParaRPr lang="en-US"/>
           </a:p>
@@ -2273,7 +2273,7 @@
           <a:p>
             <a:fld id="{421A1D43-B8D3-4018-8763-90AC85FD69DB}" type="datetimeFigureOut">
               <a:rPr lang="en-US" smtClean="0"/>
-              <a:t>10/20/2020</a:t>
+              <a:t>10/21/2020</a:t>
             </a:fld>
             <a:endParaRPr lang="en-US"/>
           </a:p>
@@ -2666,7 +2666,7 @@
           <a:p>
             <a:fld id="{421A1D43-B8D3-4018-8763-90AC85FD69DB}" type="datetimeFigureOut">
               <a:rPr lang="en-US" smtClean="0"/>
-              <a:t>10/20/2020</a:t>
+              <a:t>10/21/2020</a:t>
             </a:fld>
             <a:endParaRPr lang="en-US"/>
           </a:p>
@@ -23253,6 +23253,41 @@
           </a:p>
         </p:txBody>
       </p:sp>
+      <p:sp>
+        <p:nvSpPr>
+          <p:cNvPr id="10" name="文字方塊 9">
+            <a:extLst>
+              <a:ext uri="{FF2B5EF4-FFF2-40B4-BE49-F238E27FC236}">
+                <a16:creationId xmlns:a16="http://schemas.microsoft.com/office/drawing/2014/main" id="{F6AF7AB8-195B-4A94-96B3-A9BB3D5FF1C7}"/>
+              </a:ext>
+            </a:extLst>
+          </p:cNvPr>
+          <p:cNvSpPr txBox="1"/>
+          <p:nvPr/>
+        </p:nvSpPr>
+        <p:spPr>
+          <a:xfrm>
+            <a:off x="893190" y="1551549"/>
+            <a:ext cx="7781826" cy="646331"/>
+          </a:xfrm>
+          <a:prstGeom prst="rect">
+            <a:avLst/>
+          </a:prstGeom>
+          <a:noFill/>
+        </p:spPr>
+        <p:txBody>
+          <a:bodyPr wrap="square">
+            <a:spAutoFit/>
+          </a:bodyPr>
+          <a:lstStyle/>
+          <a:p>
+            <a:r>
+              <a:rPr lang="en-US" dirty="0"/>
+              <a:t>https://leemeng.tw/deep-learning-for-everyone-understand-neural-net-and-linear-algebra.html</a:t>
+            </a:r>
+          </a:p>
+        </p:txBody>
+      </p:sp>
     </p:spTree>
     <p:extLst>
       <p:ext uri="{BB962C8B-B14F-4D97-AF65-F5344CB8AC3E}">
